--- a/apresentacao/SeleniumIDE.pptx
+++ b/apresentacao/SeleniumIDE.pptx
@@ -241,7 +241,7 @@
           <a:p>
             <a:fld id="{D84C288D-B0EA-AB44-A03D-05174A10D8E6}" type="datetime1">
               <a:rPr lang="pt-BR" smtClean="0"/>
-              <a:t>29/04/16</a:t>
+              <a:t>03/06/16</a:t>
             </a:fld>
             <a:endParaRPr lang="en-US"/>
           </a:p>
@@ -407,7 +407,7 @@
           <a:p>
             <a:fld id="{8F37A6A9-75B8-4843-A016-113AA6AE82E5}" type="datetime1">
               <a:rPr lang="pt-BR" smtClean="0"/>
-              <a:t>29/04/16</a:t>
+              <a:t>03/06/16</a:t>
             </a:fld>
             <a:endParaRPr lang="en-US"/>
           </a:p>
@@ -895,7 +895,7 @@
           <a:p>
             <a:fld id="{438E6543-0184-7844-9CA7-DEE960A1A7A0}" type="datetime1">
               <a:rPr lang="pt-BR" smtClean="0"/>
-              <a:t>29/04/16</a:t>
+              <a:t>03/06/16</a:t>
             </a:fld>
             <a:endParaRPr lang="en-US"/>
           </a:p>
@@ -1216,7 +1216,7 @@
           <a:p>
             <a:fld id="{C1B39FEA-B227-B442-B3BE-40A75F075AE8}" type="datetime1">
               <a:rPr lang="pt-BR" smtClean="0"/>
-              <a:t>29/04/16</a:t>
+              <a:t>03/06/16</a:t>
             </a:fld>
             <a:endParaRPr lang="en-US"/>
           </a:p>
@@ -1493,7 +1493,7 @@
           <a:p>
             <a:fld id="{AE2857ED-BB65-054E-9D6E-115AA4E6B49F}" type="datetime1">
               <a:rPr lang="pt-BR" smtClean="0"/>
-              <a:t>29/04/16</a:t>
+              <a:t>03/06/16</a:t>
             </a:fld>
             <a:endParaRPr lang="en-US"/>
           </a:p>
@@ -1787,7 +1787,7 @@
           <a:p>
             <a:fld id="{99596353-9940-CB42-B56C-E6EDFF306978}" type="datetime1">
               <a:rPr lang="pt-BR" smtClean="0"/>
-              <a:t>29/04/16</a:t>
+              <a:t>03/06/16</a:t>
             </a:fld>
             <a:endParaRPr lang="en-US"/>
           </a:p>
@@ -2116,7 +2116,7 @@
           <a:p>
             <a:fld id="{28E4C843-E3F1-9D46-B2CF-49C0478EAF0B}" type="datetime1">
               <a:rPr lang="pt-BR" smtClean="0"/>
-              <a:t>29/04/16</a:t>
+              <a:t>03/06/16</a:t>
             </a:fld>
             <a:endParaRPr lang="en-US"/>
           </a:p>
@@ -2367,7 +2367,7 @@
           <a:p>
             <a:fld id="{AB600CFD-EACF-794B-90D7-FD455E965925}" type="datetime1">
               <a:rPr lang="pt-BR" smtClean="0"/>
-              <a:t>29/04/16</a:t>
+              <a:t>03/06/16</a:t>
             </a:fld>
             <a:endParaRPr lang="en-US"/>
           </a:p>
@@ -2546,7 +2546,7 @@
           <a:p>
             <a:fld id="{6ACB05C7-9379-B14F-86E3-557E194B9E50}" type="datetime1">
               <a:rPr lang="pt-BR" smtClean="0"/>
-              <a:t>29/04/16</a:t>
+              <a:t>03/06/16</a:t>
             </a:fld>
             <a:endParaRPr lang="en-US"/>
           </a:p>
@@ -2715,7 +2715,7 @@
           <a:p>
             <a:fld id="{6E9D815B-438C-E443-A24C-E7EA5574C41B}" type="datetime1">
               <a:rPr lang="pt-BR" smtClean="0"/>
-              <a:t>29/04/16</a:t>
+              <a:t>03/06/16</a:t>
             </a:fld>
             <a:endParaRPr lang="en-US"/>
           </a:p>
@@ -2984,7 +2984,7 @@
           <a:p>
             <a:fld id="{3144D7AE-C806-3D4A-BEFF-D376F631E7DE}" type="datetime1">
               <a:rPr lang="pt-BR" smtClean="0"/>
-              <a:t>29/04/16</a:t>
+              <a:t>03/06/16</a:t>
             </a:fld>
             <a:endParaRPr lang="en-US"/>
           </a:p>
@@ -3291,7 +3291,7 @@
           <a:p>
             <a:fld id="{F004218E-00FA-9F48-A017-B906D36847B4}" type="datetime1">
               <a:rPr lang="pt-BR" smtClean="0"/>
-              <a:t>29/04/16</a:t>
+              <a:t>03/06/16</a:t>
             </a:fld>
             <a:endParaRPr lang="en-US"/>
           </a:p>
@@ -3583,7 +3583,7 @@
           <a:p>
             <a:fld id="{09F0D413-E7B1-6841-BC7B-B8A04E9399A1}" type="datetime1">
               <a:rPr lang="pt-BR" smtClean="0"/>
-              <a:t>29/04/16</a:t>
+              <a:t>03/06/16</a:t>
             </a:fld>
             <a:endParaRPr lang="en-US"/>
           </a:p>
@@ -4013,7 +4013,7 @@
           <a:p>
             <a:fld id="{9C6492D5-F174-2A47-890F-E9914B27E01C}" type="datetime1">
               <a:rPr lang="pt-BR" smtClean="0"/>
-              <a:t>29/04/16</a:t>
+              <a:t>03/06/16</a:t>
             </a:fld>
             <a:endParaRPr lang="en-US"/>
           </a:p>
@@ -4364,7 +4364,7 @@
           <a:p>
             <a:fld id="{4852B0FB-C47C-A549-82C9-74DA984C8459}" type="datetime1">
               <a:rPr lang="pt-BR" smtClean="0"/>
-              <a:t>29/04/16</a:t>
+              <a:t>03/06/16</a:t>
             </a:fld>
             <a:endParaRPr lang="en-US"/>
           </a:p>
@@ -4454,7 +4454,7 @@
           <a:p>
             <a:fld id="{550CCF23-98BF-9E4E-97D0-95968F6C614D}" type="datetime1">
               <a:rPr lang="pt-BR" smtClean="0"/>
-              <a:t>29/04/16</a:t>
+              <a:t>03/06/16</a:t>
             </a:fld>
             <a:endParaRPr lang="en-US"/>
           </a:p>
@@ -4791,7 +4791,7 @@
           <a:p>
             <a:fld id="{5D149C7C-F79D-0348-AACC-FEE65B7E109A}" type="datetime1">
               <a:rPr lang="pt-BR" smtClean="0"/>
-              <a:t>29/04/16</a:t>
+              <a:t>03/06/16</a:t>
             </a:fld>
             <a:endParaRPr lang="en-US"/>
           </a:p>
@@ -5003,7 +5003,7 @@
           <a:p>
             <a:fld id="{4AE0DE0A-4A9C-A846-9AFF-B190FCE582A8}" type="datetime1">
               <a:rPr lang="pt-BR" smtClean="0"/>
-              <a:t>29/04/16</a:t>
+              <a:t>03/06/16</a:t>
             </a:fld>
             <a:endParaRPr lang="en-US"/>
           </a:p>
@@ -5612,7 +5612,7 @@
           <a:p>
             <a:fld id="{1230C273-E431-944B-AE71-7A894B0A5490}" type="datetime1">
               <a:rPr lang="pt-BR" b="1" smtClean="0"/>
-              <a:t>29/04/16</a:t>
+              <a:t>03/06/16</a:t>
             </a:fld>
             <a:endParaRPr lang="en-US" b="1" dirty="0"/>
           </a:p>
@@ -9854,11 +9854,7 @@
             </a:r>
             <a:r>
               <a:rPr lang="en-US" dirty="0" err="1" smtClean="0"/>
-              <a:t>execu</a:t>
-            </a:r>
-            <a:r>
-              <a:rPr lang="en-US" dirty="0" err="1" smtClean="0"/>
-              <a:t>ção</a:t>
+              <a:t>execução</a:t>
             </a:r>
             <a:r>
               <a:rPr lang="en-US" dirty="0" smtClean="0"/>
@@ -9940,11 +9936,7 @@
             </a:r>
             <a:r>
               <a:rPr lang="en-US" dirty="0" err="1" smtClean="0"/>
-              <a:t>su</a:t>
-            </a:r>
-            <a:r>
-              <a:rPr lang="en-US" dirty="0" err="1" smtClean="0"/>
-              <a:t>íte</a:t>
+              <a:t>suíte</a:t>
             </a:r>
             <a:r>
               <a:rPr lang="en-US" dirty="0" smtClean="0"/>
@@ -10044,11 +10036,7 @@
             </a:r>
             <a:r>
               <a:rPr lang="en-US" dirty="0" err="1" smtClean="0"/>
-              <a:t>execu</a:t>
-            </a:r>
-            <a:r>
-              <a:rPr lang="en-US" dirty="0" err="1" smtClean="0"/>
-              <a:t>ção</a:t>
+              <a:t>execução</a:t>
             </a:r>
             <a:r>
               <a:rPr lang="en-US" dirty="0" smtClean="0"/>
@@ -10106,11 +10094,7 @@
             </a:r>
             <a:r>
               <a:rPr lang="en-US" dirty="0" err="1" smtClean="0"/>
-              <a:t>grava</a:t>
-            </a:r>
-            <a:r>
-              <a:rPr lang="en-US" dirty="0" err="1" smtClean="0"/>
-              <a:t>ção</a:t>
+              <a:t>gravação</a:t>
             </a:r>
             <a:r>
               <a:rPr lang="en-US" dirty="0" smtClean="0"/>
@@ -13736,11 +13720,7 @@
                       </a:r>
                       <a:r>
                         <a:rPr lang="en-US" b="0" dirty="0" err="1" smtClean="0"/>
-                        <a:t>vari</a:t>
-                      </a:r>
-                      <a:r>
-                        <a:rPr lang="en-US" b="0" dirty="0" err="1" smtClean="0"/>
-                        <a:t>ável</a:t>
+                        <a:t>variável</a:t>
                       </a:r>
                       <a:r>
                         <a:rPr lang="en-US" b="0" dirty="0" smtClean="0"/>
@@ -13912,11 +13892,7 @@
                       </a:r>
                       <a:r>
                         <a:rPr lang="en-US" dirty="0" err="1" smtClean="0"/>
-                        <a:t>vari</a:t>
-                      </a:r>
-                      <a:r>
-                        <a:rPr lang="en-US" dirty="0" err="1" smtClean="0"/>
-                        <a:t>ável</a:t>
+                        <a:t>variável</a:t>
                       </a:r>
                       <a:r>
                         <a:rPr lang="en-US" dirty="0" smtClean="0"/>
@@ -14076,11 +14052,7 @@
                       </a:r>
                       <a:r>
                         <a:rPr lang="en-US" dirty="0" err="1" smtClean="0"/>
-                        <a:t>compara</a:t>
-                      </a:r>
-                      <a:r>
-                        <a:rPr lang="en-US" dirty="0" err="1" smtClean="0"/>
-                        <a:t>ção</a:t>
+                        <a:t>comparação</a:t>
                       </a:r>
                       <a:r>
                         <a:rPr lang="en-US" dirty="0" smtClean="0"/>
@@ -22425,6 +22397,268 @@
           </a:p>
         </p:txBody>
       </p:sp>
+      <p:sp>
+        <p:nvSpPr>
+          <p:cNvPr id="3" name="TextBox 2"/>
+          <p:cNvSpPr txBox="1"/>
+          <p:nvPr/>
+        </p:nvSpPr>
+        <p:spPr>
+          <a:xfrm>
+            <a:off x="455561" y="1981136"/>
+            <a:ext cx="8458252" cy="3970318"/>
+          </a:xfrm>
+          <a:prstGeom prst="rect">
+            <a:avLst/>
+          </a:prstGeom>
+          <a:noFill/>
+        </p:spPr>
+        <p:txBody>
+          <a:bodyPr wrap="square" rtlCol="0">
+            <a:spAutoFit/>
+          </a:bodyPr>
+          <a:lstStyle/>
+          <a:p>
+            <a:r>
+              <a:rPr lang="en-US" dirty="0" err="1" smtClean="0"/>
+              <a:t>Utilizar</a:t>
+            </a:r>
+            <a:r>
+              <a:rPr lang="en-US" dirty="0" smtClean="0"/>
+              <a:t> </a:t>
+            </a:r>
+            <a:r>
+              <a:rPr lang="en-US" dirty="0" err="1" smtClean="0"/>
+              <a:t>todos</a:t>
+            </a:r>
+            <a:r>
+              <a:rPr lang="en-US" dirty="0" smtClean="0"/>
+              <a:t> </a:t>
+            </a:r>
+            <a:r>
+              <a:rPr lang="en-US" dirty="0" err="1" smtClean="0"/>
+              <a:t>os</a:t>
+            </a:r>
+            <a:r>
+              <a:rPr lang="en-US" dirty="0" smtClean="0"/>
+              <a:t> </a:t>
+            </a:r>
+            <a:r>
+              <a:rPr lang="en-US" dirty="0" err="1" smtClean="0"/>
+              <a:t>conceitos</a:t>
+            </a:r>
+            <a:r>
+              <a:rPr lang="en-US" dirty="0" smtClean="0"/>
+              <a:t> </a:t>
+            </a:r>
+            <a:r>
+              <a:rPr lang="en-US" dirty="0" err="1" smtClean="0"/>
+              <a:t>abordados</a:t>
+            </a:r>
+            <a:r>
+              <a:rPr lang="en-US" dirty="0" smtClean="0"/>
+              <a:t> no </a:t>
+            </a:r>
+            <a:r>
+              <a:rPr lang="en-US" dirty="0" err="1" smtClean="0"/>
+              <a:t>treinamento</a:t>
+            </a:r>
+            <a:r>
+              <a:rPr lang="en-US" dirty="0" smtClean="0"/>
+              <a:t>.</a:t>
+            </a:r>
+          </a:p>
+          <a:p>
+            <a:endParaRPr lang="en-US" dirty="0" smtClean="0">
+              <a:hlinkClick r:id="rId2"/>
+            </a:endParaRPr>
+          </a:p>
+          <a:p>
+            <a:endParaRPr lang="en-US" dirty="0" smtClean="0">
+              <a:hlinkClick r:id="rId2"/>
+            </a:endParaRPr>
+          </a:p>
+          <a:p>
+            <a:r>
+              <a:rPr lang="en-US" dirty="0" smtClean="0"/>
+              <a:t>Sugestões de sites para utilização nos exercícios:</a:t>
+            </a:r>
+            <a:endParaRPr lang="en-US" dirty="0" smtClean="0">
+              <a:hlinkClick r:id="rId2"/>
+            </a:endParaRPr>
+          </a:p>
+          <a:p>
+            <a:endParaRPr lang="en-US" dirty="0" smtClean="0">
+              <a:hlinkClick r:id="rId2"/>
+            </a:endParaRPr>
+          </a:p>
+          <a:p>
+            <a:pPr marL="285750" indent="-285750">
+              <a:buFont typeface="Arial"/>
+              <a:buChar char="•"/>
+            </a:pPr>
+            <a:r>
+              <a:rPr lang="en-US" dirty="0" smtClean="0">
+                <a:hlinkClick r:id="rId2"/>
+              </a:rPr>
+              <a:t>http</a:t>
+            </a:r>
+            <a:r>
+              <a:rPr lang="en-US" dirty="0">
+                <a:hlinkClick r:id="rId2"/>
+              </a:rPr>
+              <a:t>://guaratorenato.wix.com/</a:t>
+            </a:r>
+            <a:r>
+              <a:rPr lang="en-US" dirty="0" smtClean="0">
+                <a:hlinkClick r:id="rId2"/>
+              </a:rPr>
+              <a:t>treinamento1</a:t>
+            </a:r>
+            <a:endParaRPr lang="en-US" dirty="0" smtClean="0"/>
+          </a:p>
+          <a:p>
+            <a:pPr marL="285750" indent="-285750">
+              <a:buFont typeface="Arial"/>
+              <a:buChar char="•"/>
+            </a:pPr>
+            <a:endParaRPr lang="en-US" dirty="0"/>
+          </a:p>
+          <a:p>
+            <a:pPr marL="285750" indent="-285750">
+              <a:buFont typeface="Arial"/>
+              <a:buChar char="•"/>
+            </a:pPr>
+            <a:r>
+              <a:rPr lang="en-US" dirty="0">
+                <a:hlinkClick r:id="rId3"/>
+              </a:rPr>
+              <a:t>http://guaratorenato.wix.com/</a:t>
+            </a:r>
+            <a:r>
+              <a:rPr lang="en-US" dirty="0" smtClean="0">
+                <a:hlinkClick r:id="rId3"/>
+              </a:rPr>
+              <a:t>treinamento2</a:t>
+            </a:r>
+            <a:endParaRPr lang="en-US" dirty="0" smtClean="0"/>
+          </a:p>
+          <a:p>
+            <a:pPr marL="285750" indent="-285750">
+              <a:buFont typeface="Arial"/>
+              <a:buChar char="•"/>
+            </a:pPr>
+            <a:endParaRPr lang="en-US" dirty="0"/>
+          </a:p>
+          <a:p>
+            <a:pPr marL="285750" indent="-285750">
+              <a:buFont typeface="Arial"/>
+              <a:buChar char="•"/>
+            </a:pPr>
+            <a:r>
+              <a:rPr lang="en-US" dirty="0">
+                <a:hlinkClick r:id="rId4"/>
+              </a:rPr>
+              <a:t>http://guaratorenato.wix.com/</a:t>
+            </a:r>
+            <a:r>
+              <a:rPr lang="en-US" dirty="0" smtClean="0">
+                <a:hlinkClick r:id="rId4"/>
+              </a:rPr>
+              <a:t>treinamento3</a:t>
+            </a:r>
+            <a:endParaRPr lang="en-US" dirty="0" smtClean="0"/>
+          </a:p>
+          <a:p>
+            <a:pPr marL="285750" indent="-285750">
+              <a:buFont typeface="Arial"/>
+              <a:buChar char="•"/>
+            </a:pPr>
+            <a:endParaRPr lang="en-US" dirty="0"/>
+          </a:p>
+          <a:p>
+            <a:pPr marL="285750" indent="-285750">
+              <a:buFont typeface="Arial"/>
+              <a:buChar char="•"/>
+            </a:pPr>
+            <a:r>
+              <a:rPr lang="en-US" dirty="0">
+                <a:hlinkClick r:id="rId5"/>
+              </a:rPr>
+              <a:t>http://guaratorenato.wix.com/</a:t>
+            </a:r>
+            <a:r>
+              <a:rPr lang="en-US" dirty="0" smtClean="0">
+                <a:hlinkClick r:id="rId5"/>
+              </a:rPr>
+              <a:t>treinamento4</a:t>
+            </a:r>
+            <a:endParaRPr lang="en-US" dirty="0" smtClean="0"/>
+          </a:p>
+          <a:p>
+            <a:pPr marL="285750" indent="-285750">
+              <a:buFont typeface="Arial"/>
+              <a:buChar char="•"/>
+            </a:pPr>
+            <a:endParaRPr lang="en-US" dirty="0"/>
+          </a:p>
+          <a:p>
+            <a:pPr marL="285750" indent="-285750">
+              <a:buFont typeface="Arial"/>
+              <a:buChar char="•"/>
+            </a:pPr>
+            <a:r>
+              <a:rPr lang="en-US" dirty="0">
+                <a:hlinkClick r:id="rId6"/>
+              </a:rPr>
+              <a:t>http://guaratorenato.wix.com</a:t>
+            </a:r>
+            <a:r>
+              <a:rPr lang="en-US">
+                <a:hlinkClick r:id="rId6"/>
+              </a:rPr>
+              <a:t>/</a:t>
+            </a:r>
+            <a:r>
+              <a:rPr lang="en-US" smtClean="0">
+                <a:hlinkClick r:id="rId6"/>
+              </a:rPr>
+              <a:t>treinamento5</a:t>
+            </a:r>
+            <a:endParaRPr lang="en-US" dirty="0" smtClean="0"/>
+          </a:p>
+        </p:txBody>
+      </p:sp>
+      <p:pic>
+        <p:nvPicPr>
+          <p:cNvPr id="4" name="Picture 3" descr="1461958159_files-folders-59.png"/>
+          <p:cNvPicPr>
+            <a:picLocks noChangeAspect="1"/>
+          </p:cNvPicPr>
+          <p:nvPr/>
+        </p:nvPicPr>
+        <p:blipFill>
+          <a:blip r:embed="rId7">
+            <a:extLst>
+              <a:ext uri="{28A0092B-C50C-407E-A947-70E740481C1C}">
+                <a14:useLocalDpi xmlns:a14="http://schemas.microsoft.com/office/drawing/2010/main" val="0"/>
+              </a:ext>
+            </a:extLst>
+          </a:blip>
+          <a:stretch>
+            <a:fillRect/>
+          </a:stretch>
+        </p:blipFill>
+        <p:spPr>
+          <a:xfrm>
+            <a:off x="6915482" y="2975149"/>
+            <a:ext cx="1625600" cy="1625600"/>
+          </a:xfrm>
+          <a:prstGeom prst="rect">
+            <a:avLst/>
+          </a:prstGeom>
+        </p:spPr>
+      </p:pic>
     </p:spTree>
     <p:extLst>
       <p:ext uri="{BB962C8B-B14F-4D97-AF65-F5344CB8AC3E}">
